--- a/Augmentacija.pptx
+++ b/Augmentacija.pptx
@@ -47,22 +47,22 @@
   <p:notesSz cx="6858000" cy="9144000"/>
   <p:embeddedFontLst>
     <p:embeddedFont>
-      <p:font typeface="Montserrat" charset="0"/>
+      <p:font typeface="Crimson Text" charset="0"/>
       <p:regular r:id="rId37"/>
       <p:bold r:id="rId38"/>
       <p:italic r:id="rId39"/>
       <p:boldItalic r:id="rId40"/>
     </p:embeddedFont>
     <p:embeddedFont>
-      <p:font typeface="Vidaloka" charset="0"/>
+      <p:font typeface="Montserrat" charset="0"/>
       <p:regular r:id="rId41"/>
+      <p:bold r:id="rId42"/>
+      <p:italic r:id="rId43"/>
+      <p:boldItalic r:id="rId44"/>
     </p:embeddedFont>
     <p:embeddedFont>
-      <p:font typeface="Crimson Text" charset="0"/>
-      <p:regular r:id="rId42"/>
-      <p:bold r:id="rId43"/>
-      <p:italic r:id="rId44"/>
-      <p:boldItalic r:id="rId45"/>
+      <p:font typeface="Vidaloka" charset="0"/>
+      <p:regular r:id="rId45"/>
     </p:embeddedFont>
   </p:embeddedFontLst>
   <p:defaultTextStyle>
@@ -10704,12 +10704,20 @@
               <a:buNone/>
             </a:pPr>
             <a:r>
+              <a:rPr lang="en-US" dirty="0" smtClean="0">
+                <a:solidFill>
+                  <a:schemeClr val="dk1"/>
+                </a:solidFill>
+              </a:rPr>
+              <a:t>doc</a:t>
+            </a:r>
+            <a:r>
               <a:rPr lang="sr-Latn-RS" dirty="0" smtClean="0">
                 <a:solidFill>
                   <a:schemeClr val="dk1"/>
                 </a:solidFill>
               </a:rPr>
-              <a:t>Prof. dr </a:t>
+              <a:t>. dr </a:t>
             </a:r>
             <a:r>
               <a:rPr lang="en-US" dirty="0" err="1" smtClean="0">
@@ -11048,8 +11056,29 @@
                   <a:schemeClr val="dk1"/>
                 </a:solidFill>
               </a:rPr>
-              <a:t>Katarina Stanojković 17959</a:t>
-            </a:r>
+              <a:t>Katarina Stanojković </a:t>
+            </a:r>
+            <a:r>
+              <a:rPr lang="sr-Latn-RS" dirty="0" smtClean="0">
+                <a:solidFill>
+                  <a:schemeClr val="dk1"/>
+                </a:solidFill>
+              </a:rPr>
+              <a:t>17</a:t>
+            </a:r>
+            <a:r>
+              <a:rPr lang="en-US" dirty="0" smtClean="0">
+                <a:solidFill>
+                  <a:schemeClr val="dk1"/>
+                </a:solidFill>
+              </a:rPr>
+              <a:t>73</a:t>
+            </a:r>
+            <a:endParaRPr lang="sr-Latn-RS" dirty="0" smtClean="0">
+              <a:solidFill>
+                <a:schemeClr val="dk1"/>
+              </a:solidFill>
+            </a:endParaRPr>
           </a:p>
         </p:txBody>
       </p:sp>
@@ -11807,11 +11836,7 @@
             </a:pPr>
             <a:r>
               <a:rPr lang="sr-Latn-RS" sz="5400" dirty="0" smtClean="0"/>
-              <a:t>Data </a:t>
-            </a:r>
-            <a:r>
-              <a:rPr lang="sr-Latn-RS" sz="5400" dirty="0" smtClean="0"/>
-              <a:t>Space</a:t>
+              <a:t>Data Space</a:t>
             </a:r>
             <a:endParaRPr lang="sr-Latn-RS" sz="5400" dirty="0"/>
           </a:p>
@@ -12114,15 +12139,7 @@
             </a:pPr>
             <a:r>
               <a:rPr lang="sr-Latn-RS" sz="1600" dirty="0" smtClean="0"/>
-              <a:t>Kategorija augmentacije koja manipuliše tekstualnim instancama </a:t>
-            </a:r>
-            <a:r>
-              <a:rPr lang="sr-Latn-RS" sz="1600" dirty="0" smtClean="0"/>
-              <a:t>direktno, </a:t>
-            </a:r>
-            <a:r>
-              <a:rPr lang="sr-Latn-RS" sz="1600" dirty="0" smtClean="0"/>
-              <a:t>stvarajući varijacije kako bi se povećala raznovrsnost i kvalitet podataka za treniranje modela</a:t>
+              <a:t>Kategorija augmentacije koja manipuliše tekstualnim instancama direktno, stvarajući varijacije kako bi se povećala raznovrsnost i kvalitet podataka za treniranje modela</a:t>
             </a:r>
           </a:p>
           <a:p>
@@ -17943,15 +17960,7 @@
             </a:pPr>
             <a:r>
               <a:rPr lang="sr-Latn-RS" sz="1600" dirty="0" smtClean="0"/>
-              <a:t>1. </a:t>
-            </a:r>
-            <a:r>
-              <a:rPr lang="sr-Latn-RS" sz="1600" dirty="0" smtClean="0"/>
-              <a:t>Identifikacija </a:t>
-            </a:r>
-            <a:r>
-              <a:rPr lang="sr-Latn-RS" sz="1600" dirty="0" smtClean="0"/>
-              <a:t>ranjivih mesta</a:t>
+              <a:t>1. Identifikacija ranjivih mesta</a:t>
             </a:r>
           </a:p>
           <a:p>
@@ -17964,15 +17973,7 @@
             </a:pPr>
             <a:r>
               <a:rPr lang="sr-Latn-RS" sz="1600" dirty="0" smtClean="0"/>
-              <a:t>2. </a:t>
-            </a:r>
-            <a:r>
-              <a:rPr lang="sr-Latn-RS" sz="1600" dirty="0" smtClean="0"/>
-              <a:t>Primena </a:t>
-            </a:r>
-            <a:r>
-              <a:rPr lang="sr-Latn-RS" sz="1600" dirty="0" smtClean="0"/>
-              <a:t>modifikacija</a:t>
+              <a:t>2. Primena modifikacija</a:t>
             </a:r>
           </a:p>
           <a:p>
@@ -17985,15 +17986,7 @@
             </a:pPr>
             <a:r>
               <a:rPr lang="sr-Latn-RS" sz="1600" dirty="0" smtClean="0"/>
-              <a:t>3. </a:t>
-            </a:r>
-            <a:r>
-              <a:rPr lang="sr-Latn-RS" sz="1600" dirty="0" smtClean="0"/>
-              <a:t>Odabir </a:t>
-            </a:r>
-            <a:r>
-              <a:rPr lang="sr-Latn-RS" sz="1600" dirty="0" smtClean="0"/>
-              <a:t>najboljih kandidata</a:t>
+              <a:t>3. Odabir najboljih kandidata</a:t>
             </a:r>
           </a:p>
           <a:p>
@@ -18006,15 +17999,7 @@
             </a:pPr>
             <a:r>
               <a:rPr lang="sr-Latn-RS" sz="1600" dirty="0" smtClean="0"/>
-              <a:t>4.</a:t>
-            </a:r>
-            <a:r>
-              <a:rPr lang="sr-Latn-RS" sz="1600" dirty="0" smtClean="0"/>
-              <a:t> </a:t>
-            </a:r>
-            <a:r>
-              <a:rPr lang="sr-Latn-RS" sz="1600" dirty="0" smtClean="0"/>
-              <a:t>Generisanje adversijalnih primera</a:t>
+              <a:t>4. Generisanje adversijalnih primera</a:t>
             </a:r>
             <a:endParaRPr lang="sr-Latn-RS" sz="1600" dirty="0"/>
           </a:p>
@@ -18863,13 +18848,8 @@
             </a:pPr>
             <a:r>
               <a:rPr lang="sr-Latn-RS" sz="1600" dirty="0" smtClean="0"/>
-              <a:t>Uklanjanje </a:t>
-            </a:r>
-            <a:r>
-              <a:rPr lang="sr-Latn-RS" sz="1600" dirty="0" smtClean="0"/>
-              <a:t>dijakritika</a:t>
-            </a:r>
-            <a:endParaRPr lang="sr-Latn-RS" sz="1600" dirty="0" smtClean="0"/>
+              <a:t>Uklanjanje dijakritika</a:t>
+            </a:r>
           </a:p>
           <a:p>
             <a:pPr marL="285750" indent="-285750">
